--- a/Présentation3.pptx
+++ b/Présentation3.pptx
@@ -16105,6 +16105,9 @@
   <p:clrMapOvr>
     <a:masterClrMapping/>
   </p:clrMapOvr>
+  <p:transition spd="slow">
+    <p:push dir="u"/>
+  </p:transition>
 </p:sld>
 </file>
 
@@ -16230,6 +16233,9 @@
   <p:clrMapOvr>
     <a:masterClrMapping/>
   </p:clrMapOvr>
+  <p:transition spd="slow">
+    <p:push dir="u"/>
+  </p:transition>
 </p:sld>
 </file>
 
@@ -16328,6 +16334,9 @@
   <p:clrMapOvr>
     <a:masterClrMapping/>
   </p:clrMapOvr>
+  <p:transition spd="slow">
+    <p:push dir="u"/>
+  </p:transition>
 </p:sld>
 </file>
 
@@ -16423,6 +16432,9 @@
   <p:clrMapOvr>
     <a:masterClrMapping/>
   </p:clrMapOvr>
+  <p:transition spd="slow">
+    <p:push dir="u"/>
+  </p:transition>
 </p:sld>
 </file>
 
@@ -16518,6 +16530,9 @@
   <p:clrMapOvr>
     <a:masterClrMapping/>
   </p:clrMapOvr>
+  <p:transition spd="slow">
+    <p:push dir="u"/>
+  </p:transition>
 </p:sld>
 </file>
 
@@ -16616,6 +16631,9 @@
   <p:clrMapOvr>
     <a:masterClrMapping/>
   </p:clrMapOvr>
+  <p:transition spd="slow">
+    <p:push dir="u"/>
+  </p:transition>
 </p:sld>
 </file>
 
@@ -16711,6 +16729,9 @@
   <p:clrMapOvr>
     <a:masterClrMapping/>
   </p:clrMapOvr>
+  <p:transition spd="slow">
+    <p:push dir="u"/>
+  </p:transition>
 </p:sld>
 </file>
 
@@ -16817,6 +16838,9 @@
   <p:clrMapOvr>
     <a:masterClrMapping/>
   </p:clrMapOvr>
+  <p:transition spd="slow">
+    <p:push dir="u"/>
+  </p:transition>
 </p:sld>
 </file>
 
@@ -16912,6 +16936,9 @@
   <p:clrMapOvr>
     <a:masterClrMapping/>
   </p:clrMapOvr>
+  <p:transition spd="slow">
+    <p:push dir="u"/>
+  </p:transition>
 </p:sld>
 </file>
 
@@ -17026,6 +17053,9 @@
   <p:clrMapOvr>
     <a:masterClrMapping/>
   </p:clrMapOvr>
+  <p:transition spd="slow">
+    <p:push dir="u"/>
+  </p:transition>
 </p:sld>
 </file>
 
@@ -17183,6 +17213,9 @@
   <p:clrMapOvr>
     <a:masterClrMapping/>
   </p:clrMapOvr>
+  <p:transition spd="slow">
+    <p:push dir="u"/>
+  </p:transition>
 </p:sld>
 </file>
 
@@ -17397,6 +17430,9 @@
   <p:clrMapOvr>
     <a:masterClrMapping/>
   </p:clrMapOvr>
+  <p:transition spd="slow">
+    <p:push dir="u"/>
+  </p:transition>
 </p:sld>
 </file>
 
@@ -17495,6 +17531,9 @@
   <p:clrMapOvr>
     <a:masterClrMapping/>
   </p:clrMapOvr>
+  <p:transition spd="slow">
+    <p:push dir="u"/>
+  </p:transition>
 </p:sld>
 </file>
 
@@ -17590,6 +17629,9 @@
   <p:clrMapOvr>
     <a:masterClrMapping/>
   </p:clrMapOvr>
+  <p:transition spd="slow">
+    <p:push dir="u"/>
+  </p:transition>
 </p:sld>
 </file>
 
@@ -17688,6 +17730,9 @@
   <p:clrMapOvr>
     <a:masterClrMapping/>
   </p:clrMapOvr>
+  <p:transition spd="slow">
+    <p:push dir="u"/>
+  </p:transition>
 </p:sld>
 </file>
 
@@ -17783,6 +17828,9 @@
   <p:clrMapOvr>
     <a:masterClrMapping/>
   </p:clrMapOvr>
+  <p:transition spd="slow">
+    <p:push dir="u"/>
+  </p:transition>
 </p:sld>
 </file>
 
@@ -17881,6 +17929,9 @@
   <p:clrMapOvr>
     <a:masterClrMapping/>
   </p:clrMapOvr>
+  <p:transition spd="slow">
+    <p:push dir="u"/>
+  </p:transition>
 </p:sld>
 </file>
 
@@ -18082,6 +18133,9 @@
   <p:clrMapOvr>
     <a:masterClrMapping/>
   </p:clrMapOvr>
+  <p:transition spd="slow">
+    <p:push dir="u"/>
+  </p:transition>
 </p:sld>
 </file>
 
@@ -18223,6 +18277,9 @@
   <p:clrMapOvr>
     <a:masterClrMapping/>
   </p:clrMapOvr>
+  <p:transition spd="slow">
+    <p:push dir="u"/>
+  </p:transition>
 </p:sld>
 </file>
 
@@ -18337,6 +18394,9 @@
   <p:clrMapOvr>
     <a:masterClrMapping/>
   </p:clrMapOvr>
+  <p:transition spd="slow">
+    <p:push dir="u"/>
+  </p:transition>
 </p:sld>
 </file>
 
@@ -18432,6 +18492,9 @@
   <p:clrMapOvr>
     <a:masterClrMapping/>
   </p:clrMapOvr>
+  <p:transition spd="slow">
+    <p:push dir="u"/>
+  </p:transition>
 </p:sld>
 </file>
 
@@ -18627,6 +18690,9 @@
   <p:clrMapOvr>
     <a:masterClrMapping/>
   </p:clrMapOvr>
+  <p:transition spd="slow">
+    <p:push dir="u"/>
+  </p:transition>
 </p:sld>
 </file>
 
@@ -18725,6 +18791,9 @@
   <p:clrMapOvr>
     <a:masterClrMapping/>
   </p:clrMapOvr>
+  <p:transition spd="slow">
+    <p:push dir="u"/>
+  </p:transition>
 </p:sld>
 </file>
 
@@ -18915,6 +18984,9 @@
   <p:clrMapOvr>
     <a:masterClrMapping/>
   </p:clrMapOvr>
+  <p:transition spd="slow">
+    <p:push dir="u"/>
+  </p:transition>
 </p:sld>
 </file>
 
@@ -19032,6 +19104,9 @@
   <p:clrMapOvr>
     <a:masterClrMapping/>
   </p:clrMapOvr>
+  <p:transition spd="slow">
+    <p:push dir="u"/>
+  </p:transition>
 </p:sld>
 </file>
 
@@ -19097,6 +19172,9 @@
   <p:clrMapOvr>
     <a:masterClrMapping/>
   </p:clrMapOvr>
+  <p:transition spd="slow">
+    <p:push dir="u"/>
+  </p:transition>
 </p:sld>
 </file>
 
@@ -19220,6 +19298,9 @@
   <p:clrMapOvr>
     <a:masterClrMapping/>
   </p:clrMapOvr>
+  <p:transition spd="slow">
+    <p:push dir="u"/>
+  </p:transition>
 </p:sld>
 </file>
 
@@ -19315,6 +19396,9 @@
   <p:clrMapOvr>
     <a:masterClrMapping/>
   </p:clrMapOvr>
+  <p:transition spd="slow">
+    <p:push dir="u"/>
+  </p:transition>
 </p:sld>
 </file>
 
@@ -19413,6 +19497,9 @@
   <p:clrMapOvr>
     <a:masterClrMapping/>
   </p:clrMapOvr>
+  <p:transition spd="slow">
+    <p:push dir="u"/>
+  </p:transition>
 </p:sld>
 </file>
 
@@ -19508,6 +19595,9 @@
   <p:clrMapOvr>
     <a:masterClrMapping/>
   </p:clrMapOvr>
+  <p:transition spd="slow">
+    <p:push dir="u"/>
+  </p:transition>
 </p:sld>
 </file>
 
@@ -19609,6 +19699,9 @@
   <p:clrMapOvr>
     <a:masterClrMapping/>
   </p:clrMapOvr>
+  <p:transition spd="slow">
+    <p:push dir="u"/>
+  </p:transition>
 </p:sld>
 </file>
 
@@ -19704,6 +19797,9 @@
   <p:clrMapOvr>
     <a:masterClrMapping/>
   </p:clrMapOvr>
+  <p:transition spd="slow">
+    <p:push dir="u"/>
+  </p:transition>
 </p:sld>
 </file>
 
@@ -19802,6 +19898,9 @@
   <p:clrMapOvr>
     <a:masterClrMapping/>
   </p:clrMapOvr>
+  <p:transition spd="slow">
+    <p:push dir="u"/>
+  </p:transition>
 </p:sld>
 </file>
 
@@ -20597,15 +20696,6 @@
 </file>
 
 <file path=customXml/item1.xml><?xml version="1.0" encoding="utf-8"?>
-<?mso-contentType ?>
-<FormTemplates xmlns="http://schemas.microsoft.com/sharepoint/v3/contenttype/forms">
-  <Display>DocumentLibraryForm</Display>
-  <Edit>DocumentLibraryForm</Edit>
-  <New>DocumentLibraryForm</New>
-</FormTemplates>
-</file>
-
-<file path=customXml/item2.xml><?xml version="1.0" encoding="utf-8"?>
 <ct:contentTypeSchema xmlns:ct="http://schemas.microsoft.com/office/2006/metadata/contentType" xmlns:ma="http://schemas.microsoft.com/office/2006/metadata/properties/metaAttributes" ct:_="" ma:_="" ma:contentTypeName="Document" ma:contentTypeID="0x01010079F111ED35F8CC479449609E8A0923A6" ma:contentTypeVersion="27" ma:contentTypeDescription="Create a new document." ma:contentTypeScope="" ma:versionID="c6f9a84f66a9c8b9a21755b9ffafb945">
   <xsd:schema xmlns:xsd="http://www.w3.org/2001/XMLSchema" xmlns:xs="http://www.w3.org/2001/XMLSchema" xmlns:p="http://schemas.microsoft.com/office/2006/metadata/properties" xmlns:ns1="http://schemas.microsoft.com/sharepoint/v3" xmlns:ns2="71af3243-3dd4-4a8d-8c0d-dd76da1f02a5" xmlns:ns3="16c05727-aa75-4e4a-9b5f-8a80a1165891" xmlns:ns4="230e9df3-be65-4c73-a93b-d1236ebd677e" targetNamespace="http://schemas.microsoft.com/office/2006/metadata/properties" ma:root="true" ma:fieldsID="27df39e3e7036dff54f89ddd5805ce72" ns1:_="" ns2:_="" ns3:_="" ns4:_="">
     <xsd:import namespace="http://schemas.microsoft.com/sharepoint/v3"/>
@@ -20911,6 +21001,15 @@
 </ct:contentTypeSchema>
 </file>
 
+<file path=customXml/item2.xml><?xml version="1.0" encoding="utf-8"?>
+<?mso-contentType ?>
+<FormTemplates xmlns="http://schemas.microsoft.com/sharepoint/v3/contenttype/forms">
+  <Display>DocumentLibraryForm</Display>
+  <Edit>DocumentLibraryForm</Edit>
+  <New>DocumentLibraryForm</New>
+</FormTemplates>
+</file>
+
 <file path=customXml/item3.xml><?xml version="1.0" encoding="utf-8"?>
 <p:properties xmlns:p="http://schemas.microsoft.com/office/2006/metadata/properties" xmlns:xsi="http://www.w3.org/2001/XMLSchema-instance" xmlns:pc="http://schemas.microsoft.com/office/infopath/2007/PartnerControls">
   <documentManagement>
@@ -20932,14 +21031,6 @@
 </file>
 
 <file path=customXml/itemProps1.xml><?xml version="1.0" encoding="utf-8"?>
-<ds:datastoreItem xmlns:ds="http://schemas.openxmlformats.org/officeDocument/2006/customXml" ds:itemID="{6966C46A-DC57-4209-80CD-9FE6C93151FF}">
-  <ds:schemaRefs>
-    <ds:schemaRef ds:uri="http://schemas.microsoft.com/sharepoint/v3/contenttype/forms"/>
-  </ds:schemaRefs>
-</ds:datastoreItem>
-</file>
-
-<file path=customXml/itemProps2.xml><?xml version="1.0" encoding="utf-8"?>
 <ds:datastoreItem xmlns:ds="http://schemas.openxmlformats.org/officeDocument/2006/customXml" ds:itemID="{4E18436D-DA32-4E27-AC64-8FFEDA5218F9}">
   <ds:schemaRefs>
     <ds:schemaRef ds:uri="http://schemas.microsoft.com/office/2006/metadata/contentType"/>
@@ -20960,6 +21051,14 @@
 </ds:datastoreItem>
 </file>
 
+<file path=customXml/itemProps2.xml><?xml version="1.0" encoding="utf-8"?>
+<ds:datastoreItem xmlns:ds="http://schemas.openxmlformats.org/officeDocument/2006/customXml" ds:itemID="{6966C46A-DC57-4209-80CD-9FE6C93151FF}">
+  <ds:schemaRefs>
+    <ds:schemaRef ds:uri="http://schemas.microsoft.com/sharepoint/v3/contenttype/forms"/>
+  </ds:schemaRefs>
+</ds:datastoreItem>
+</file>
+
 <file path=customXml/itemProps3.xml><?xml version="1.0" encoding="utf-8"?>
 <ds:datastoreItem xmlns:ds="http://schemas.openxmlformats.org/officeDocument/2006/customXml" ds:itemID="{BEFFFA3F-0FB5-4ED3-8906-A15B16577F44}">
   <ds:schemaRefs>
